--- a/biolockJTutorials/draftTutorial_RDP_Native.pptx
+++ b/biolockJTutorials/draftTutorial_RDP_Native.pptx
@@ -6,8 +6,10 @@
   </p:sldMasterIdLst>
   <p:sldIdLst>
     <p:sldId id="256" r:id="rId2"/>
-    <p:sldId id="257" r:id="rId3"/>
-    <p:sldId id="258" r:id="rId4"/>
+    <p:sldId id="259" r:id="rId3"/>
+    <p:sldId id="257" r:id="rId4"/>
+    <p:sldId id="260" r:id="rId5"/>
+    <p:sldId id="258" r:id="rId6"/>
   </p:sldIdLst>
   <p:sldSz cx="12192000" cy="6858000"/>
   <p:notesSz cx="6858000" cy="9144000"/>
@@ -106,6 +108,11 @@
       </a:defRPr>
     </a:lvl9pPr>
   </p:defaultTextStyle>
+  <p:extLst>
+    <p:ext uri="{EFAFB233-063F-42B5-8137-9DF3F51BA10A}">
+      <p15:sldGuideLst xmlns:p15="http://schemas.microsoft.com/office/powerpoint/2012/main"/>
+    </p:ext>
+  </p:extLst>
 </p:presentation>
 </file>
 
@@ -256,7 +263,7 @@
           <a:p>
             <a:fld id="{FF928810-BE94-4BFC-95AD-7A2A83EB8583}" type="datetimeFigureOut">
               <a:rPr lang="en-US" smtClean="0"/>
-              <a:t>12/30/2018</a:t>
+              <a:t>12/31/2018</a:t>
             </a:fld>
             <a:endParaRPr lang="en-US"/>
           </a:p>
@@ -454,7 +461,7 @@
           <a:p>
             <a:fld id="{FF928810-BE94-4BFC-95AD-7A2A83EB8583}" type="datetimeFigureOut">
               <a:rPr lang="en-US" smtClean="0"/>
-              <a:t>12/30/2018</a:t>
+              <a:t>12/31/2018</a:t>
             </a:fld>
             <a:endParaRPr lang="en-US"/>
           </a:p>
@@ -662,7 +669,7 @@
           <a:p>
             <a:fld id="{FF928810-BE94-4BFC-95AD-7A2A83EB8583}" type="datetimeFigureOut">
               <a:rPr lang="en-US" smtClean="0"/>
-              <a:t>12/30/2018</a:t>
+              <a:t>12/31/2018</a:t>
             </a:fld>
             <a:endParaRPr lang="en-US"/>
           </a:p>
@@ -860,7 +867,7 @@
           <a:p>
             <a:fld id="{FF928810-BE94-4BFC-95AD-7A2A83EB8583}" type="datetimeFigureOut">
               <a:rPr lang="en-US" smtClean="0"/>
-              <a:t>12/30/2018</a:t>
+              <a:t>12/31/2018</a:t>
             </a:fld>
             <a:endParaRPr lang="en-US"/>
           </a:p>
@@ -1135,7 +1142,7 @@
           <a:p>
             <a:fld id="{FF928810-BE94-4BFC-95AD-7A2A83EB8583}" type="datetimeFigureOut">
               <a:rPr lang="en-US" smtClean="0"/>
-              <a:t>12/30/2018</a:t>
+              <a:t>12/31/2018</a:t>
             </a:fld>
             <a:endParaRPr lang="en-US"/>
           </a:p>
@@ -1400,7 +1407,7 @@
           <a:p>
             <a:fld id="{FF928810-BE94-4BFC-95AD-7A2A83EB8583}" type="datetimeFigureOut">
               <a:rPr lang="en-US" smtClean="0"/>
-              <a:t>12/30/2018</a:t>
+              <a:t>12/31/2018</a:t>
             </a:fld>
             <a:endParaRPr lang="en-US"/>
           </a:p>
@@ -1812,7 +1819,7 @@
           <a:p>
             <a:fld id="{FF928810-BE94-4BFC-95AD-7A2A83EB8583}" type="datetimeFigureOut">
               <a:rPr lang="en-US" smtClean="0"/>
-              <a:t>12/30/2018</a:t>
+              <a:t>12/31/2018</a:t>
             </a:fld>
             <a:endParaRPr lang="en-US"/>
           </a:p>
@@ -1953,7 +1960,7 @@
           <a:p>
             <a:fld id="{FF928810-BE94-4BFC-95AD-7A2A83EB8583}" type="datetimeFigureOut">
               <a:rPr lang="en-US" smtClean="0"/>
-              <a:t>12/30/2018</a:t>
+              <a:t>12/31/2018</a:t>
             </a:fld>
             <a:endParaRPr lang="en-US"/>
           </a:p>
@@ -2066,7 +2073,7 @@
           <a:p>
             <a:fld id="{FF928810-BE94-4BFC-95AD-7A2A83EB8583}" type="datetimeFigureOut">
               <a:rPr lang="en-US" smtClean="0"/>
-              <a:t>12/30/2018</a:t>
+              <a:t>12/31/2018</a:t>
             </a:fld>
             <a:endParaRPr lang="en-US"/>
           </a:p>
@@ -2377,7 +2384,7 @@
           <a:p>
             <a:fld id="{FF928810-BE94-4BFC-95AD-7A2A83EB8583}" type="datetimeFigureOut">
               <a:rPr lang="en-US" smtClean="0"/>
-              <a:t>12/30/2018</a:t>
+              <a:t>12/31/2018</a:t>
             </a:fld>
             <a:endParaRPr lang="en-US"/>
           </a:p>
@@ -2665,7 +2672,7 @@
           <a:p>
             <a:fld id="{FF928810-BE94-4BFC-95AD-7A2A83EB8583}" type="datetimeFigureOut">
               <a:rPr lang="en-US" smtClean="0"/>
-              <a:t>12/30/2018</a:t>
+              <a:t>12/31/2018</a:t>
             </a:fld>
             <a:endParaRPr lang="en-US"/>
           </a:p>
@@ -2906,7 +2913,7 @@
           <a:p>
             <a:fld id="{FF928810-BE94-4BFC-95AD-7A2A83EB8583}" type="datetimeFigureOut">
               <a:rPr lang="en-US" smtClean="0"/>
-              <a:t>12/30/2018</a:t>
+              <a:t>12/31/2018</a:t>
             </a:fld>
             <a:endParaRPr lang="en-US"/>
           </a:p>
@@ -3442,6 +3449,40 @@
           </a:p>
         </p:txBody>
       </p:sp>
+      <p:sp>
+        <p:nvSpPr>
+          <p:cNvPr id="2" name="Rectangle 1">
+            <a:extLst>
+              <a:ext uri="{FF2B5EF4-FFF2-40B4-BE49-F238E27FC236}">
+                <a16:creationId xmlns:a16="http://schemas.microsoft.com/office/drawing/2014/main" id="{861EE11E-AABF-4A83-AC16-C1B3FFF3660B}"/>
+              </a:ext>
+            </a:extLst>
+          </p:cNvPr>
+          <p:cNvSpPr/>
+          <p:nvPr/>
+        </p:nvSpPr>
+        <p:spPr>
+          <a:xfrm>
+            <a:off x="5109615" y="6189414"/>
+            <a:ext cx="5311390" cy="369332"/>
+          </a:xfrm>
+          <a:prstGeom prst="rect">
+            <a:avLst/>
+          </a:prstGeom>
+        </p:spPr>
+        <p:txBody>
+          <a:bodyPr wrap="none">
+            <a:spAutoFit/>
+          </a:bodyPr>
+          <a:lstStyle/>
+          <a:p>
+            <a:r>
+              <a:rPr lang="en-US" dirty="0"/>
+              <a:t>http://afodor.github.io/biolockJTutorials/tutorials.html</a:t>
+            </a:r>
+          </a:p>
+        </p:txBody>
+      </p:sp>
     </p:spTree>
     <p:extLst>
       <p:ext uri="{BB962C8B-B14F-4D97-AF65-F5344CB8AC3E}">
@@ -3477,7 +3518,7 @@
           <p:cNvPr id="4" name="TextBox 3">
             <a:extLst>
               <a:ext uri="{FF2B5EF4-FFF2-40B4-BE49-F238E27FC236}">
-                <a16:creationId xmlns:a16="http://schemas.microsoft.com/office/drawing/2014/main" id="{33D52BEC-9362-4B5C-BE40-A7FB460A2F70}"/>
+                <a16:creationId xmlns:a16="http://schemas.microsoft.com/office/drawing/2014/main" id="{4AF7A305-3BA3-4E0D-9EA9-233A6D3640C6}"/>
               </a:ext>
             </a:extLst>
           </p:cNvPr>
@@ -3486,8 +3527,8 @@
         </p:nvSpPr>
         <p:spPr>
           <a:xfrm>
-            <a:off x="475013" y="1567543"/>
-            <a:ext cx="11662167" cy="3970318"/>
+            <a:off x="700644" y="1021278"/>
+            <a:ext cx="3595856" cy="1754326"/>
           </a:xfrm>
           <a:prstGeom prst="rect">
             <a:avLst/>
@@ -3505,25 +3546,43 @@
                 <a:latin typeface="Arial" panose="020B0604020202020204" pitchFamily="34" charset="0"/>
                 <a:cs typeface="Arial" panose="020B0604020202020204" pitchFamily="34" charset="0"/>
               </a:rPr>
-              <a:t>Requirements:  Some version of Linux (here we use Ubuntu on Widows Subsystem for Linux)</a:t>
-            </a:r>
-          </a:p>
-          <a:p>
-            <a:r>
-              <a:rPr lang="en-US" dirty="0">
-                <a:latin typeface="Arial" panose="020B0604020202020204" pitchFamily="34" charset="0"/>
-                <a:cs typeface="Arial" panose="020B0604020202020204" pitchFamily="34" charset="0"/>
-              </a:rPr>
-              <a:t>		Java</a:t>
-            </a:r>
-          </a:p>
-          <a:p>
-            <a:r>
-              <a:rPr lang="en-US" dirty="0">
-                <a:latin typeface="Arial" panose="020B0604020202020204" pitchFamily="34" charset="0"/>
-                <a:cs typeface="Arial" panose="020B0604020202020204" pitchFamily="34" charset="0"/>
-              </a:rPr>
-              <a:t>		R</a:t>
+              <a:t>Overview of input and output files</a:t>
+            </a:r>
+          </a:p>
+          <a:p>
+            <a:r>
+              <a:rPr lang="en-US" dirty="0">
+                <a:latin typeface="Arial" panose="020B0604020202020204" pitchFamily="34" charset="0"/>
+                <a:cs typeface="Arial" panose="020B0604020202020204" pitchFamily="34" charset="0"/>
+              </a:rPr>
+              <a:t>Setup</a:t>
+            </a:r>
+          </a:p>
+          <a:p>
+            <a:r>
+              <a:rPr lang="en-US" dirty="0">
+                <a:latin typeface="Arial" panose="020B0604020202020204" pitchFamily="34" charset="0"/>
+                <a:cs typeface="Arial" panose="020B0604020202020204" pitchFamily="34" charset="0"/>
+              </a:rPr>
+              <a:t>Sequence pre-processing</a:t>
+            </a:r>
+          </a:p>
+          <a:p>
+            <a:r>
+              <a:rPr lang="en-US" dirty="0">
+                <a:latin typeface="Arial" panose="020B0604020202020204" pitchFamily="34" charset="0"/>
+                <a:cs typeface="Arial" panose="020B0604020202020204" pitchFamily="34" charset="0"/>
+              </a:rPr>
+              <a:t>RDP classification </a:t>
+            </a:r>
+          </a:p>
+          <a:p>
+            <a:r>
+              <a:rPr lang="en-US" dirty="0">
+                <a:latin typeface="Arial" panose="020B0604020202020204" pitchFamily="34" charset="0"/>
+                <a:cs typeface="Arial" panose="020B0604020202020204" pitchFamily="34" charset="0"/>
+              </a:rPr>
+              <a:t>Building Statistical Models</a:t>
             </a:r>
           </a:p>
           <a:p>
@@ -3532,125 +3591,51 @@
               <a:cs typeface="Arial" panose="020B0604020202020204" pitchFamily="34" charset="0"/>
             </a:endParaRPr>
           </a:p>
-          <a:p>
-            <a:r>
-              <a:rPr lang="en-US" dirty="0">
-                <a:latin typeface="Arial" panose="020B0604020202020204" pitchFamily="34" charset="0"/>
-                <a:cs typeface="Arial" panose="020B0604020202020204" pitchFamily="34" charset="0"/>
-              </a:rPr>
-              <a:t>Input files:</a:t>
-            </a:r>
-          </a:p>
-          <a:p>
-            <a:r>
-              <a:rPr lang="en-US" dirty="0">
-                <a:latin typeface="Arial" panose="020B0604020202020204" pitchFamily="34" charset="0"/>
-                <a:cs typeface="Arial" panose="020B0604020202020204" pitchFamily="34" charset="0"/>
-              </a:rPr>
-              <a:t>	</a:t>
-            </a:r>
-            <a:r>
-              <a:rPr lang="en-US" dirty="0" err="1">
-                <a:latin typeface="Arial" panose="020B0604020202020204" pitchFamily="34" charset="0"/>
-                <a:cs typeface="Arial" panose="020B0604020202020204" pitchFamily="34" charset="0"/>
-              </a:rPr>
-              <a:t>Fasta</a:t>
-            </a:r>
-            <a:r>
-              <a:rPr lang="en-US" dirty="0">
-                <a:latin typeface="Arial" panose="020B0604020202020204" pitchFamily="34" charset="0"/>
-                <a:cs typeface="Arial" panose="020B0604020202020204" pitchFamily="34" charset="0"/>
-              </a:rPr>
-              <a:t> sequences from a colorectal cancer study </a:t>
-            </a:r>
-          </a:p>
-          <a:p>
-            <a:r>
-              <a:rPr lang="en-US" dirty="0">
-                <a:latin typeface="Arial" panose="020B0604020202020204" pitchFamily="34" charset="0"/>
-                <a:cs typeface="Arial" panose="020B0604020202020204" pitchFamily="34" charset="0"/>
-              </a:rPr>
-              <a:t>	(described here: </a:t>
-            </a:r>
-            <a:r>
-              <a:rPr lang="en-US" dirty="0">
-                <a:latin typeface="Arial" panose="020B0604020202020204" pitchFamily="34" charset="0"/>
-                <a:cs typeface="Arial" panose="020B0604020202020204" pitchFamily="34" charset="0"/>
-                <a:hlinkClick r:id="rId2"/>
-              </a:rPr>
-              <a:t>https://www.nature.com/articles/ismej201243</a:t>
-            </a:r>
-            <a:r>
-              <a:rPr lang="en-US" dirty="0">
-                <a:latin typeface="Arial" panose="020B0604020202020204" pitchFamily="34" charset="0"/>
-                <a:cs typeface="Arial" panose="020B0604020202020204" pitchFamily="34" charset="0"/>
-              </a:rPr>
-              <a:t> ;</a:t>
-            </a:r>
-          </a:p>
-          <a:p>
-            <a:r>
-              <a:rPr lang="en-US" dirty="0">
-                <a:latin typeface="Arial" panose="020B0604020202020204" pitchFamily="34" charset="0"/>
-                <a:cs typeface="Arial" panose="020B0604020202020204" pitchFamily="34" charset="0"/>
-              </a:rPr>
-              <a:t>	“Increased rectal microbial richness is associated with the presence of colorectal adenomas in humans”</a:t>
-            </a:r>
-          </a:p>
-          <a:p>
-            <a:endParaRPr lang="en-US" dirty="0">
-              <a:latin typeface="Arial" panose="020B0604020202020204" pitchFamily="34" charset="0"/>
-              <a:cs typeface="Arial" panose="020B0604020202020204" pitchFamily="34" charset="0"/>
-            </a:endParaRPr>
-          </a:p>
-          <a:p>
-            <a:r>
-              <a:rPr lang="en-US" dirty="0">
-                <a:latin typeface="Arial" panose="020B0604020202020204" pitchFamily="34" charset="0"/>
-                <a:cs typeface="Arial" panose="020B0604020202020204" pitchFamily="34" charset="0"/>
-              </a:rPr>
-              <a:t>Output files:</a:t>
-            </a:r>
-          </a:p>
-          <a:p>
-            <a:r>
-              <a:rPr lang="en-US" dirty="0">
-                <a:latin typeface="Arial" panose="020B0604020202020204" pitchFamily="34" charset="0"/>
-                <a:cs typeface="Arial" panose="020B0604020202020204" pitchFamily="34" charset="0"/>
-              </a:rPr>
-              <a:t>	Spreadsheets of log-normalized data for downstream analysis</a:t>
-            </a:r>
-          </a:p>
-          <a:p>
-            <a:r>
-              <a:rPr lang="en-US" dirty="0">
-                <a:latin typeface="Arial" panose="020B0604020202020204" pitchFamily="34" charset="0"/>
-                <a:cs typeface="Arial" panose="020B0604020202020204" pitchFamily="34" charset="0"/>
-              </a:rPr>
-              <a:t>	Statistical modeling from parametric and non-parametric tests</a:t>
-            </a:r>
-          </a:p>
-          <a:p>
-            <a:r>
-              <a:rPr lang="en-US" dirty="0">
-                <a:latin typeface="Arial" panose="020B0604020202020204" pitchFamily="34" charset="0"/>
-                <a:cs typeface="Arial" panose="020B0604020202020204" pitchFamily="34" charset="0"/>
-              </a:rPr>
-              <a:t>	Detailed taxa-by-taxa visualizations</a:t>
-            </a:r>
-          </a:p>
-          <a:p>
-            <a:endParaRPr lang="en-US" dirty="0">
-              <a:latin typeface="Arial" panose="020B0604020202020204" pitchFamily="34" charset="0"/>
-              <a:cs typeface="Arial" panose="020B0604020202020204" pitchFamily="34" charset="0"/>
-            </a:endParaRPr>
-          </a:p>
-        </p:txBody>
-      </p:sp>
+        </p:txBody>
+      </p:sp>
+      <p:cxnSp>
+        <p:nvCxnSpPr>
+          <p:cNvPr id="6" name="Straight Arrow Connector 5">
+            <a:extLst>
+              <a:ext uri="{FF2B5EF4-FFF2-40B4-BE49-F238E27FC236}">
+                <a16:creationId xmlns:a16="http://schemas.microsoft.com/office/drawing/2014/main" id="{A709F56C-C3E8-4684-92F6-F4F33AD48850}"/>
+              </a:ext>
+            </a:extLst>
+          </p:cNvPr>
+          <p:cNvCxnSpPr/>
+          <p:nvPr/>
+        </p:nvCxnSpPr>
+        <p:spPr>
+          <a:xfrm flipH="1">
+            <a:off x="4284625" y="1223158"/>
+            <a:ext cx="833640" cy="0"/>
+          </a:xfrm>
+          <a:prstGeom prst="straightConnector1">
+            <a:avLst/>
+          </a:prstGeom>
+          <a:ln>
+            <a:tailEnd type="triangle"/>
+          </a:ln>
+        </p:spPr>
+        <p:style>
+          <a:lnRef idx="1">
+            <a:schemeClr val="accent1"/>
+          </a:lnRef>
+          <a:fillRef idx="0">
+            <a:schemeClr val="accent1"/>
+          </a:fillRef>
+          <a:effectRef idx="0">
+            <a:schemeClr val="accent1"/>
+          </a:effectRef>
+          <a:fontRef idx="minor">
+            <a:schemeClr val="tx1"/>
+          </a:fontRef>
+        </p:style>
+      </p:cxnSp>
     </p:spTree>
     <p:extLst>
       <p:ext uri="{BB962C8B-B14F-4D97-AF65-F5344CB8AC3E}">
-        <p14:creationId xmlns:p14="http://schemas.microsoft.com/office/powerpoint/2010/main" val="3268684290"/>
+        <p14:creationId xmlns:p14="http://schemas.microsoft.com/office/powerpoint/2010/main" val="4119466353"/>
       </p:ext>
     </p:extLst>
   </p:cSld>
@@ -3682,7 +3667,7 @@
           <p:cNvPr id="4" name="TextBox 3">
             <a:extLst>
               <a:ext uri="{FF2B5EF4-FFF2-40B4-BE49-F238E27FC236}">
-                <a16:creationId xmlns:a16="http://schemas.microsoft.com/office/drawing/2014/main" id="{F8D92C63-044F-486E-AFB1-B524B4A774CA}"/>
+                <a16:creationId xmlns:a16="http://schemas.microsoft.com/office/drawing/2014/main" id="{33D52BEC-9362-4B5C-BE40-A7FB460A2F70}"/>
               </a:ext>
             </a:extLst>
           </p:cNvPr>
@@ -3691,8 +3676,8 @@
         </p:nvSpPr>
         <p:spPr>
           <a:xfrm>
-            <a:off x="332509" y="201881"/>
-            <a:ext cx="11790407" cy="4801314"/>
+            <a:off x="475013" y="1567543"/>
+            <a:ext cx="11662167" cy="3970318"/>
           </a:xfrm>
           <a:prstGeom prst="rect">
             <a:avLst/>
@@ -3710,16 +3695,25 @@
                 <a:latin typeface="Arial" panose="020B0604020202020204" pitchFamily="34" charset="0"/>
                 <a:cs typeface="Arial" panose="020B0604020202020204" pitchFamily="34" charset="0"/>
               </a:rPr>
-              <a:t>You should have a version of Linux that supports BASH natively</a:t>
-            </a:r>
-          </a:p>
-          <a:p>
-            <a:r>
-              <a:rPr lang="en-US" dirty="0">
-                <a:latin typeface="Arial" panose="020B0604020202020204" pitchFamily="34" charset="0"/>
-                <a:cs typeface="Arial" panose="020B0604020202020204" pitchFamily="34" charset="0"/>
-              </a:rPr>
-              <a:t>(this has not been tested on Cygwin, but might possibly work)</a:t>
+              <a:t>Requirements:  Some version of Linux (here we use Ubuntu on Widows Subsystem for Linux)</a:t>
+            </a:r>
+          </a:p>
+          <a:p>
+            <a:r>
+              <a:rPr lang="en-US" dirty="0">
+                <a:latin typeface="Arial" panose="020B0604020202020204" pitchFamily="34" charset="0"/>
+                <a:cs typeface="Arial" panose="020B0604020202020204" pitchFamily="34" charset="0"/>
+              </a:rPr>
+              <a:t>		Java</a:t>
+            </a:r>
+          </a:p>
+          <a:p>
+            <a:r>
+              <a:rPr lang="en-US" dirty="0">
+                <a:latin typeface="Arial" panose="020B0604020202020204" pitchFamily="34" charset="0"/>
+                <a:cs typeface="Arial" panose="020B0604020202020204" pitchFamily="34" charset="0"/>
+              </a:rPr>
+              <a:t>		R</a:t>
             </a:r>
           </a:p>
           <a:p>
@@ -3734,7 +3728,63 @@
                 <a:latin typeface="Arial" panose="020B0604020202020204" pitchFamily="34" charset="0"/>
                 <a:cs typeface="Arial" panose="020B0604020202020204" pitchFamily="34" charset="0"/>
               </a:rPr>
-              <a:t>With Windows 10 Pro (or Windows 10 education version), this can be achieved by:</a:t>
+              <a:t>Input files:</a:t>
+            </a:r>
+          </a:p>
+          <a:p>
+            <a:r>
+              <a:rPr lang="en-US" dirty="0">
+                <a:latin typeface="Arial" panose="020B0604020202020204" pitchFamily="34" charset="0"/>
+                <a:cs typeface="Arial" panose="020B0604020202020204" pitchFamily="34" charset="0"/>
+              </a:rPr>
+              <a:t>	</a:t>
+            </a:r>
+            <a:r>
+              <a:rPr lang="en-US" dirty="0" err="1">
+                <a:latin typeface="Arial" panose="020B0604020202020204" pitchFamily="34" charset="0"/>
+                <a:cs typeface="Arial" panose="020B0604020202020204" pitchFamily="34" charset="0"/>
+              </a:rPr>
+              <a:t>Fasta</a:t>
+            </a:r>
+            <a:r>
+              <a:rPr lang="en-US" dirty="0">
+                <a:latin typeface="Arial" panose="020B0604020202020204" pitchFamily="34" charset="0"/>
+                <a:cs typeface="Arial" panose="020B0604020202020204" pitchFamily="34" charset="0"/>
+              </a:rPr>
+              <a:t> sequences from a colorectal cancer study </a:t>
+            </a:r>
+          </a:p>
+          <a:p>
+            <a:r>
+              <a:rPr lang="en-US" dirty="0">
+                <a:latin typeface="Arial" panose="020B0604020202020204" pitchFamily="34" charset="0"/>
+                <a:cs typeface="Arial" panose="020B0604020202020204" pitchFamily="34" charset="0"/>
+              </a:rPr>
+              <a:t>	(described here: </a:t>
+            </a:r>
+            <a:r>
+              <a:rPr lang="en-US" dirty="0">
+                <a:latin typeface="Arial" panose="020B0604020202020204" pitchFamily="34" charset="0"/>
+                <a:cs typeface="Arial" panose="020B0604020202020204" pitchFamily="34" charset="0"/>
+                <a:hlinkClick r:id="rId2"/>
+              </a:rPr>
+              <a:t>https://www.nature.com/articles/ismej201243</a:t>
+            </a:r>
+            <a:r>
+              <a:rPr lang="en-US" dirty="0">
+                <a:latin typeface="Arial" panose="020B0604020202020204" pitchFamily="34" charset="0"/>
+                <a:cs typeface="Arial" panose="020B0604020202020204" pitchFamily="34" charset="0"/>
+              </a:rPr>
+              <a:t> ;</a:t>
+            </a:r>
+          </a:p>
+          <a:p>
+            <a:r>
+              <a:rPr lang="en-US" dirty="0">
+                <a:latin typeface="Arial" panose="020B0604020202020204" pitchFamily="34" charset="0"/>
+                <a:cs typeface="Arial" panose="020B0604020202020204" pitchFamily="34" charset="0"/>
+              </a:rPr>
+              <a:t>	“Increased rectal microbial richness is associated with the presence of colorectal adenomas in humans”</a:t>
             </a:r>
           </a:p>
           <a:p>
@@ -3749,171 +3799,266 @@
                 <a:latin typeface="Arial" panose="020B0604020202020204" pitchFamily="34" charset="0"/>
                 <a:cs typeface="Arial" panose="020B0604020202020204" pitchFamily="34" charset="0"/>
               </a:rPr>
-              <a:t>	(1) Install Ubuntu following directions here: 	https://docs.microsoft.com/en-us/windows/wsl/install-win10 </a:t>
-            </a:r>
-          </a:p>
-          <a:p>
-            <a:r>
-              <a:rPr lang="en-US" dirty="0">
-                <a:latin typeface="Arial" panose="020B0604020202020204" pitchFamily="34" charset="0"/>
-                <a:cs typeface="Arial" panose="020B0604020202020204" pitchFamily="34" charset="0"/>
-              </a:rPr>
-              <a:t>	</a:t>
-            </a:r>
-          </a:p>
-          <a:p>
-            <a:r>
-              <a:rPr lang="en-US" dirty="0">
-                <a:latin typeface="Arial" panose="020B0604020202020204" pitchFamily="34" charset="0"/>
-                <a:cs typeface="Arial" panose="020B0604020202020204" pitchFamily="34" charset="0"/>
-              </a:rPr>
-              <a:t>	(2) Start the Ubuntu shell (for example type bash from a Windows dos box)</a:t>
-            </a:r>
-          </a:p>
-          <a:p>
-            <a:r>
-              <a:rPr lang="en-US" dirty="0">
-                <a:latin typeface="Arial" panose="020B0604020202020204" pitchFamily="34" charset="0"/>
-                <a:cs typeface="Arial" panose="020B0604020202020204" pitchFamily="34" charset="0"/>
-              </a:rPr>
-              <a:t>	</a:t>
-            </a:r>
-          </a:p>
-          <a:p>
-            <a:r>
-              <a:rPr lang="en-US" dirty="0">
-                <a:latin typeface="Arial" panose="020B0604020202020204" pitchFamily="34" charset="0"/>
-                <a:cs typeface="Arial" panose="020B0604020202020204" pitchFamily="34" charset="0"/>
-              </a:rPr>
-              <a:t>	(3) Install Java and R with something like:</a:t>
-            </a:r>
-          </a:p>
-          <a:p>
-            <a:r>
-              <a:rPr lang="en-US" dirty="0">
-                <a:latin typeface="Arial" panose="020B0604020202020204" pitchFamily="34" charset="0"/>
-                <a:cs typeface="Arial" panose="020B0604020202020204" pitchFamily="34" charset="0"/>
-              </a:rPr>
-              <a:t>			 </a:t>
-            </a:r>
-            <a:r>
-              <a:rPr lang="en-US" dirty="0" err="1">
-                <a:latin typeface="Arial" panose="020B0604020202020204" pitchFamily="34" charset="0"/>
-                <a:cs typeface="Arial" panose="020B0604020202020204" pitchFamily="34" charset="0"/>
-              </a:rPr>
-              <a:t>sudo</a:t>
-            </a:r>
-            <a:r>
-              <a:rPr lang="en-US" dirty="0">
-                <a:latin typeface="Arial" panose="020B0604020202020204" pitchFamily="34" charset="0"/>
-                <a:cs typeface="Arial" panose="020B0604020202020204" pitchFamily="34" charset="0"/>
-              </a:rPr>
-              <a:t> apt install default-</a:t>
-            </a:r>
-            <a:r>
-              <a:rPr lang="en-US" dirty="0" err="1">
-                <a:latin typeface="Arial" panose="020B0604020202020204" pitchFamily="34" charset="0"/>
-                <a:cs typeface="Arial" panose="020B0604020202020204" pitchFamily="34" charset="0"/>
-              </a:rPr>
-              <a:t>jre</a:t>
-            </a:r>
+              <a:t>Output files:</a:t>
+            </a:r>
+          </a:p>
+          <a:p>
+            <a:r>
+              <a:rPr lang="en-US" dirty="0">
+                <a:latin typeface="Arial" panose="020B0604020202020204" pitchFamily="34" charset="0"/>
+                <a:cs typeface="Arial" panose="020B0604020202020204" pitchFamily="34" charset="0"/>
+              </a:rPr>
+              <a:t>	Spreadsheets of log-normalized data for downstream analysis</a:t>
+            </a:r>
+          </a:p>
+          <a:p>
+            <a:r>
+              <a:rPr lang="en-US" dirty="0">
+                <a:latin typeface="Arial" panose="020B0604020202020204" pitchFamily="34" charset="0"/>
+                <a:cs typeface="Arial" panose="020B0604020202020204" pitchFamily="34" charset="0"/>
+              </a:rPr>
+              <a:t>	Statistical modeling from parametric and non-parametric tests</a:t>
+            </a:r>
+          </a:p>
+          <a:p>
+            <a:r>
+              <a:rPr lang="en-US" dirty="0">
+                <a:latin typeface="Arial" panose="020B0604020202020204" pitchFamily="34" charset="0"/>
+                <a:cs typeface="Arial" panose="020B0604020202020204" pitchFamily="34" charset="0"/>
+              </a:rPr>
+              <a:t>	Detailed taxa-by-taxa visualizations</a:t>
+            </a:r>
+          </a:p>
+          <a:p>
             <a:endParaRPr lang="en-US" dirty="0">
               <a:latin typeface="Arial" panose="020B0604020202020204" pitchFamily="34" charset="0"/>
               <a:cs typeface="Arial" panose="020B0604020202020204" pitchFamily="34" charset="0"/>
             </a:endParaRPr>
           </a:p>
-          <a:p>
-            <a:r>
-              <a:rPr lang="en-US" dirty="0">
-                <a:latin typeface="Arial" panose="020B0604020202020204" pitchFamily="34" charset="0"/>
-                <a:cs typeface="Arial" panose="020B0604020202020204" pitchFamily="34" charset="0"/>
-              </a:rPr>
-              <a:t>			 </a:t>
-            </a:r>
-            <a:r>
-              <a:rPr lang="en-US" dirty="0" err="1">
-                <a:latin typeface="Arial" panose="020B0604020202020204" pitchFamily="34" charset="0"/>
-                <a:cs typeface="Arial" panose="020B0604020202020204" pitchFamily="34" charset="0"/>
-              </a:rPr>
-              <a:t>sudo</a:t>
-            </a:r>
-            <a:r>
-              <a:rPr lang="en-US" dirty="0">
-                <a:latin typeface="Arial" panose="020B0604020202020204" pitchFamily="34" charset="0"/>
-                <a:cs typeface="Arial" panose="020B0604020202020204" pitchFamily="34" charset="0"/>
-              </a:rPr>
-              <a:t> apt-get update</a:t>
-            </a:r>
-          </a:p>
-          <a:p>
-            <a:r>
-              <a:rPr lang="en-US" dirty="0">
-                <a:latin typeface="Arial" panose="020B0604020202020204" pitchFamily="34" charset="0"/>
-                <a:cs typeface="Arial" panose="020B0604020202020204" pitchFamily="34" charset="0"/>
-              </a:rPr>
-              <a:t>			 </a:t>
-            </a:r>
-            <a:r>
-              <a:rPr lang="en-US" dirty="0" err="1">
-                <a:latin typeface="Arial" panose="020B0604020202020204" pitchFamily="34" charset="0"/>
-                <a:cs typeface="Arial" panose="020B0604020202020204" pitchFamily="34" charset="0"/>
-              </a:rPr>
-              <a:t>sudo</a:t>
-            </a:r>
-            <a:r>
-              <a:rPr lang="en-US" dirty="0">
-                <a:latin typeface="Arial" panose="020B0604020202020204" pitchFamily="34" charset="0"/>
-                <a:cs typeface="Arial" panose="020B0604020202020204" pitchFamily="34" charset="0"/>
-              </a:rPr>
-              <a:t> apt install default-</a:t>
-            </a:r>
-            <a:r>
-              <a:rPr lang="en-US" dirty="0" err="1">
-                <a:latin typeface="Arial" panose="020B0604020202020204" pitchFamily="34" charset="0"/>
-                <a:cs typeface="Arial" panose="020B0604020202020204" pitchFamily="34" charset="0"/>
-              </a:rPr>
-              <a:t>jre</a:t>
-            </a:r>
+        </p:txBody>
+      </p:sp>
+    </p:spTree>
+    <p:extLst>
+      <p:ext uri="{BB962C8B-B14F-4D97-AF65-F5344CB8AC3E}">
+        <p14:creationId xmlns:p14="http://schemas.microsoft.com/office/powerpoint/2010/main" val="3268684290"/>
+      </p:ext>
+    </p:extLst>
+  </p:cSld>
+  <p:clrMapOvr>
+    <a:masterClrMapping/>
+  </p:clrMapOvr>
+</p:sld>
+</file>
+
+<file path=ppt/slides/slide4.xml><?xml version="1.0" encoding="utf-8"?>
+<p:sld xmlns:a="http://schemas.openxmlformats.org/drawingml/2006/main" xmlns:r="http://schemas.openxmlformats.org/officeDocument/2006/relationships" xmlns:p="http://schemas.openxmlformats.org/presentationml/2006/main">
+  <p:cSld>
+    <p:spTree>
+      <p:nvGrpSpPr>
+        <p:cNvPr id="1" name=""/>
+        <p:cNvGrpSpPr/>
+        <p:nvPr/>
+      </p:nvGrpSpPr>
+      <p:grpSpPr>
+        <a:xfrm>
+          <a:off x="0" y="0"/>
+          <a:ext cx="0" cy="0"/>
+          <a:chOff x="0" y="0"/>
+          <a:chExt cx="0" cy="0"/>
+        </a:xfrm>
+      </p:grpSpPr>
+      <p:sp>
+        <p:nvSpPr>
+          <p:cNvPr id="4" name="TextBox 3">
+            <a:extLst>
+              <a:ext uri="{FF2B5EF4-FFF2-40B4-BE49-F238E27FC236}">
+                <a16:creationId xmlns:a16="http://schemas.microsoft.com/office/drawing/2014/main" id="{4AF7A305-3BA3-4E0D-9EA9-233A6D3640C6}"/>
+              </a:ext>
+            </a:extLst>
+          </p:cNvPr>
+          <p:cNvSpPr txBox="1"/>
+          <p:nvPr/>
+        </p:nvSpPr>
+        <p:spPr>
+          <a:xfrm>
+            <a:off x="700644" y="1021278"/>
+            <a:ext cx="3595856" cy="1754326"/>
+          </a:xfrm>
+          <a:prstGeom prst="rect">
+            <a:avLst/>
+          </a:prstGeom>
+          <a:noFill/>
+        </p:spPr>
+        <p:txBody>
+          <a:bodyPr wrap="none" rtlCol="0">
+            <a:spAutoFit/>
+          </a:bodyPr>
+          <a:lstStyle/>
+          <a:p>
+            <a:r>
+              <a:rPr lang="en-US" dirty="0">
+                <a:latin typeface="Arial" panose="020B0604020202020204" pitchFamily="34" charset="0"/>
+                <a:cs typeface="Arial" panose="020B0604020202020204" pitchFamily="34" charset="0"/>
+              </a:rPr>
+              <a:t>Overview of input and output files</a:t>
+            </a:r>
+          </a:p>
+          <a:p>
+            <a:r>
+              <a:rPr lang="en-US" dirty="0">
+                <a:latin typeface="Arial" panose="020B0604020202020204" pitchFamily="34" charset="0"/>
+                <a:cs typeface="Arial" panose="020B0604020202020204" pitchFamily="34" charset="0"/>
+              </a:rPr>
+              <a:t>Setup</a:t>
+            </a:r>
+          </a:p>
+          <a:p>
+            <a:r>
+              <a:rPr lang="en-US" dirty="0">
+                <a:latin typeface="Arial" panose="020B0604020202020204" pitchFamily="34" charset="0"/>
+                <a:cs typeface="Arial" panose="020B0604020202020204" pitchFamily="34" charset="0"/>
+              </a:rPr>
+              <a:t>Sequence pre-processing</a:t>
+            </a:r>
+          </a:p>
+          <a:p>
+            <a:r>
+              <a:rPr lang="en-US" dirty="0">
+                <a:latin typeface="Arial" panose="020B0604020202020204" pitchFamily="34" charset="0"/>
+                <a:cs typeface="Arial" panose="020B0604020202020204" pitchFamily="34" charset="0"/>
+              </a:rPr>
+              <a:t>RDP classification </a:t>
+            </a:r>
+          </a:p>
+          <a:p>
+            <a:r>
+              <a:rPr lang="en-US" dirty="0">
+                <a:latin typeface="Arial" panose="020B0604020202020204" pitchFamily="34" charset="0"/>
+                <a:cs typeface="Arial" panose="020B0604020202020204" pitchFamily="34" charset="0"/>
+              </a:rPr>
+              <a:t>Building Statistical Models</a:t>
+            </a:r>
+          </a:p>
+          <a:p>
             <a:endParaRPr lang="en-US" dirty="0">
               <a:latin typeface="Arial" panose="020B0604020202020204" pitchFamily="34" charset="0"/>
               <a:cs typeface="Arial" panose="020B0604020202020204" pitchFamily="34" charset="0"/>
             </a:endParaRPr>
           </a:p>
-          <a:p>
-            <a:r>
-              <a:rPr lang="en-US" dirty="0">
-                <a:latin typeface="Arial" panose="020B0604020202020204" pitchFamily="34" charset="0"/>
-                <a:cs typeface="Arial" panose="020B0604020202020204" pitchFamily="34" charset="0"/>
-              </a:rPr>
-              <a:t>			  </a:t>
-            </a:r>
-            <a:r>
-              <a:rPr lang="en-US" dirty="0" err="1">
-                <a:latin typeface="Arial" panose="020B0604020202020204" pitchFamily="34" charset="0"/>
-                <a:cs typeface="Arial" panose="020B0604020202020204" pitchFamily="34" charset="0"/>
-              </a:rPr>
-              <a:t>sudo</a:t>
-            </a:r>
-            <a:r>
-              <a:rPr lang="en-US" dirty="0">
-                <a:latin typeface="Arial" panose="020B0604020202020204" pitchFamily="34" charset="0"/>
-                <a:cs typeface="Arial" panose="020B0604020202020204" pitchFamily="34" charset="0"/>
-              </a:rPr>
-              <a:t> apt install r-</a:t>
-            </a:r>
-            <a:r>
-              <a:rPr lang="en-US" dirty="0" err="1">
-                <a:latin typeface="Arial" panose="020B0604020202020204" pitchFamily="34" charset="0"/>
-                <a:cs typeface="Arial" panose="020B0604020202020204" pitchFamily="34" charset="0"/>
-              </a:rPr>
-              <a:t>cran</a:t>
-            </a:r>
-            <a:r>
-              <a:rPr lang="en-US" dirty="0">
-                <a:latin typeface="Arial" panose="020B0604020202020204" pitchFamily="34" charset="0"/>
-                <a:cs typeface="Arial" panose="020B0604020202020204" pitchFamily="34" charset="0"/>
-              </a:rPr>
-              <a:t>-littler</a:t>
+        </p:txBody>
+      </p:sp>
+      <p:cxnSp>
+        <p:nvCxnSpPr>
+          <p:cNvPr id="6" name="Straight Arrow Connector 5">
+            <a:extLst>
+              <a:ext uri="{FF2B5EF4-FFF2-40B4-BE49-F238E27FC236}">
+                <a16:creationId xmlns:a16="http://schemas.microsoft.com/office/drawing/2014/main" id="{A709F56C-C3E8-4684-92F6-F4F33AD48850}"/>
+              </a:ext>
+            </a:extLst>
+          </p:cNvPr>
+          <p:cNvCxnSpPr/>
+          <p:nvPr/>
+        </p:nvCxnSpPr>
+        <p:spPr>
+          <a:xfrm flipH="1">
+            <a:off x="1434547" y="1472540"/>
+            <a:ext cx="833640" cy="0"/>
+          </a:xfrm>
+          <a:prstGeom prst="straightConnector1">
+            <a:avLst/>
+          </a:prstGeom>
+          <a:ln>
+            <a:tailEnd type="triangle"/>
+          </a:ln>
+        </p:spPr>
+        <p:style>
+          <a:lnRef idx="1">
+            <a:schemeClr val="accent1"/>
+          </a:lnRef>
+          <a:fillRef idx="0">
+            <a:schemeClr val="accent1"/>
+          </a:fillRef>
+          <a:effectRef idx="0">
+            <a:schemeClr val="accent1"/>
+          </a:effectRef>
+          <a:fontRef idx="minor">
+            <a:schemeClr val="tx1"/>
+          </a:fontRef>
+        </p:style>
+      </p:cxnSp>
+    </p:spTree>
+    <p:extLst>
+      <p:ext uri="{BB962C8B-B14F-4D97-AF65-F5344CB8AC3E}">
+        <p14:creationId xmlns:p14="http://schemas.microsoft.com/office/powerpoint/2010/main" val="1388169963"/>
+      </p:ext>
+    </p:extLst>
+  </p:cSld>
+  <p:clrMapOvr>
+    <a:masterClrMapping/>
+  </p:clrMapOvr>
+</p:sld>
+</file>
+
+<file path=ppt/slides/slide5.xml><?xml version="1.0" encoding="utf-8"?>
+<p:sld xmlns:a="http://schemas.openxmlformats.org/drawingml/2006/main" xmlns:r="http://schemas.openxmlformats.org/officeDocument/2006/relationships" xmlns:p="http://schemas.openxmlformats.org/presentationml/2006/main">
+  <p:cSld>
+    <p:spTree>
+      <p:nvGrpSpPr>
+        <p:cNvPr id="1" name=""/>
+        <p:cNvGrpSpPr/>
+        <p:nvPr/>
+      </p:nvGrpSpPr>
+      <p:grpSpPr>
+        <a:xfrm>
+          <a:off x="0" y="0"/>
+          <a:ext cx="0" cy="0"/>
+          <a:chOff x="0" y="0"/>
+          <a:chExt cx="0" cy="0"/>
+        </a:xfrm>
+      </p:grpSpPr>
+      <p:sp>
+        <p:nvSpPr>
+          <p:cNvPr id="4" name="TextBox 3">
+            <a:extLst>
+              <a:ext uri="{FF2B5EF4-FFF2-40B4-BE49-F238E27FC236}">
+                <a16:creationId xmlns:a16="http://schemas.microsoft.com/office/drawing/2014/main" id="{F8D92C63-044F-486E-AFB1-B524B4A774CA}"/>
+              </a:ext>
+            </a:extLst>
+          </p:cNvPr>
+          <p:cNvSpPr txBox="1"/>
+          <p:nvPr/>
+        </p:nvSpPr>
+        <p:spPr>
+          <a:xfrm>
+            <a:off x="285009" y="106879"/>
+            <a:ext cx="11790407" cy="8679299"/>
+          </a:xfrm>
+          <a:prstGeom prst="rect">
+            <a:avLst/>
+          </a:prstGeom>
+          <a:noFill/>
+        </p:spPr>
+        <p:txBody>
+          <a:bodyPr wrap="none" rtlCol="0">
+            <a:spAutoFit/>
+          </a:bodyPr>
+          <a:lstStyle/>
+          <a:p>
+            <a:r>
+              <a:rPr lang="en-US" dirty="0">
+                <a:latin typeface="Arial" panose="020B0604020202020204" pitchFamily="34" charset="0"/>
+                <a:cs typeface="Arial" panose="020B0604020202020204" pitchFamily="34" charset="0"/>
+              </a:rPr>
+              <a:t>You should have a version of Linux that supports BASH natively</a:t>
+            </a:r>
+          </a:p>
+          <a:p>
+            <a:r>
+              <a:rPr lang="en-US" dirty="0">
+                <a:latin typeface="Arial" panose="020B0604020202020204" pitchFamily="34" charset="0"/>
+                <a:cs typeface="Arial" panose="020B0604020202020204" pitchFamily="34" charset="0"/>
+              </a:rPr>
+              <a:t>(this has not been tested on Cygwin, but might possibly work)</a:t>
             </a:r>
           </a:p>
           <a:p>
@@ -3928,35 +4073,396 @@
                 <a:latin typeface="Arial" panose="020B0604020202020204" pitchFamily="34" charset="0"/>
                 <a:cs typeface="Arial" panose="020B0604020202020204" pitchFamily="34" charset="0"/>
               </a:rPr>
-              <a:t>              (4) In the directory of your choice install </a:t>
-            </a:r>
-            <a:r>
-              <a:rPr lang="en-US" dirty="0" err="1">
-                <a:latin typeface="Arial" panose="020B0604020202020204" pitchFamily="34" charset="0"/>
-                <a:cs typeface="Arial" panose="020B0604020202020204" pitchFamily="34" charset="0"/>
-              </a:rPr>
-              <a:t>BiolockJ</a:t>
-            </a:r>
-            <a:r>
-              <a:rPr lang="en-US" dirty="0">
-                <a:latin typeface="Arial" panose="020B0604020202020204" pitchFamily="34" charset="0"/>
-                <a:cs typeface="Arial" panose="020B0604020202020204" pitchFamily="34" charset="0"/>
-              </a:rPr>
-              <a:t> with </a:t>
-            </a:r>
-          </a:p>
-          <a:p>
-            <a:r>
-              <a:rPr lang="en-US">
-                <a:latin typeface="Arial" panose="020B0604020202020204" pitchFamily="34" charset="0"/>
-                <a:cs typeface="Arial" panose="020B0604020202020204" pitchFamily="34" charset="0"/>
-              </a:rPr>
-              <a:t>		</a:t>
-            </a:r>
+              <a:t>With Windows 10 Pro (or Windows 10 education version), this can be achieved by:</a:t>
+            </a:r>
+          </a:p>
+          <a:p>
             <a:endParaRPr lang="en-US" dirty="0">
               <a:latin typeface="Arial" panose="020B0604020202020204" pitchFamily="34" charset="0"/>
               <a:cs typeface="Arial" panose="020B0604020202020204" pitchFamily="34" charset="0"/>
             </a:endParaRPr>
+          </a:p>
+          <a:p>
+            <a:r>
+              <a:rPr lang="en-US" dirty="0">
+                <a:latin typeface="Arial" panose="020B0604020202020204" pitchFamily="34" charset="0"/>
+                <a:cs typeface="Arial" panose="020B0604020202020204" pitchFamily="34" charset="0"/>
+              </a:rPr>
+              <a:t>	(1) Install Ubuntu following directions here: 	https://docs.microsoft.com/en-us/windows/wsl/install-win10 </a:t>
+            </a:r>
+          </a:p>
+          <a:p>
+            <a:r>
+              <a:rPr lang="en-US" dirty="0">
+                <a:latin typeface="Arial" panose="020B0604020202020204" pitchFamily="34" charset="0"/>
+                <a:cs typeface="Arial" panose="020B0604020202020204" pitchFamily="34" charset="0"/>
+              </a:rPr>
+              <a:t>	</a:t>
+            </a:r>
+          </a:p>
+          <a:p>
+            <a:r>
+              <a:rPr lang="en-US" dirty="0">
+                <a:latin typeface="Arial" panose="020B0604020202020204" pitchFamily="34" charset="0"/>
+                <a:cs typeface="Arial" panose="020B0604020202020204" pitchFamily="34" charset="0"/>
+              </a:rPr>
+              <a:t>	(2) Start the Ubuntu shell (for example type bash from a Windows dos box)</a:t>
+            </a:r>
+          </a:p>
+          <a:p>
+            <a:r>
+              <a:rPr lang="en-US" dirty="0">
+                <a:latin typeface="Arial" panose="020B0604020202020204" pitchFamily="34" charset="0"/>
+                <a:cs typeface="Arial" panose="020B0604020202020204" pitchFamily="34" charset="0"/>
+              </a:rPr>
+              <a:t>	</a:t>
+            </a:r>
+          </a:p>
+          <a:p>
+            <a:r>
+              <a:rPr lang="en-US" dirty="0">
+                <a:latin typeface="Arial" panose="020B0604020202020204" pitchFamily="34" charset="0"/>
+                <a:cs typeface="Arial" panose="020B0604020202020204" pitchFamily="34" charset="0"/>
+              </a:rPr>
+              <a:t>	(3) Install Java and R with something like:</a:t>
+            </a:r>
+          </a:p>
+          <a:p>
+            <a:r>
+              <a:rPr lang="en-US" dirty="0">
+                <a:latin typeface="Arial" panose="020B0604020202020204" pitchFamily="34" charset="0"/>
+                <a:cs typeface="Arial" panose="020B0604020202020204" pitchFamily="34" charset="0"/>
+              </a:rPr>
+              <a:t>			 </a:t>
+            </a:r>
+            <a:r>
+              <a:rPr lang="en-US" dirty="0" err="1">
+                <a:latin typeface="Arial" panose="020B0604020202020204" pitchFamily="34" charset="0"/>
+                <a:cs typeface="Arial" panose="020B0604020202020204" pitchFamily="34" charset="0"/>
+              </a:rPr>
+              <a:t>sudo</a:t>
+            </a:r>
+            <a:r>
+              <a:rPr lang="en-US" dirty="0">
+                <a:latin typeface="Arial" panose="020B0604020202020204" pitchFamily="34" charset="0"/>
+                <a:cs typeface="Arial" panose="020B0604020202020204" pitchFamily="34" charset="0"/>
+              </a:rPr>
+              <a:t> apt install default-</a:t>
+            </a:r>
+            <a:r>
+              <a:rPr lang="en-US" dirty="0" err="1">
+                <a:latin typeface="Arial" panose="020B0604020202020204" pitchFamily="34" charset="0"/>
+                <a:cs typeface="Arial" panose="020B0604020202020204" pitchFamily="34" charset="0"/>
+              </a:rPr>
+              <a:t>jre</a:t>
+            </a:r>
+            <a:endParaRPr lang="en-US" dirty="0">
+              <a:latin typeface="Arial" panose="020B0604020202020204" pitchFamily="34" charset="0"/>
+              <a:cs typeface="Arial" panose="020B0604020202020204" pitchFamily="34" charset="0"/>
+            </a:endParaRPr>
+          </a:p>
+          <a:p>
+            <a:r>
+              <a:rPr lang="en-US" dirty="0">
+                <a:latin typeface="Arial" panose="020B0604020202020204" pitchFamily="34" charset="0"/>
+                <a:cs typeface="Arial" panose="020B0604020202020204" pitchFamily="34" charset="0"/>
+              </a:rPr>
+              <a:t>			 </a:t>
+            </a:r>
+            <a:r>
+              <a:rPr lang="en-US" dirty="0" err="1">
+                <a:latin typeface="Arial" panose="020B0604020202020204" pitchFamily="34" charset="0"/>
+                <a:cs typeface="Arial" panose="020B0604020202020204" pitchFamily="34" charset="0"/>
+              </a:rPr>
+              <a:t>sudo</a:t>
+            </a:r>
+            <a:r>
+              <a:rPr lang="en-US" dirty="0">
+                <a:latin typeface="Arial" panose="020B0604020202020204" pitchFamily="34" charset="0"/>
+                <a:cs typeface="Arial" panose="020B0604020202020204" pitchFamily="34" charset="0"/>
+              </a:rPr>
+              <a:t> apt-get update</a:t>
+            </a:r>
+          </a:p>
+          <a:p>
+            <a:r>
+              <a:rPr lang="en-US" dirty="0">
+                <a:latin typeface="Arial" panose="020B0604020202020204" pitchFamily="34" charset="0"/>
+                <a:cs typeface="Arial" panose="020B0604020202020204" pitchFamily="34" charset="0"/>
+              </a:rPr>
+              <a:t>			 </a:t>
+            </a:r>
+            <a:r>
+              <a:rPr lang="en-US" dirty="0" err="1">
+                <a:latin typeface="Arial" panose="020B0604020202020204" pitchFamily="34" charset="0"/>
+                <a:cs typeface="Arial" panose="020B0604020202020204" pitchFamily="34" charset="0"/>
+              </a:rPr>
+              <a:t>sudo</a:t>
+            </a:r>
+            <a:r>
+              <a:rPr lang="en-US" dirty="0">
+                <a:latin typeface="Arial" panose="020B0604020202020204" pitchFamily="34" charset="0"/>
+                <a:cs typeface="Arial" panose="020B0604020202020204" pitchFamily="34" charset="0"/>
+              </a:rPr>
+              <a:t> apt install default-</a:t>
+            </a:r>
+            <a:r>
+              <a:rPr lang="en-US" dirty="0" err="1">
+                <a:latin typeface="Arial" panose="020B0604020202020204" pitchFamily="34" charset="0"/>
+                <a:cs typeface="Arial" panose="020B0604020202020204" pitchFamily="34" charset="0"/>
+              </a:rPr>
+              <a:t>jre</a:t>
+            </a:r>
+            <a:endParaRPr lang="en-US" dirty="0">
+              <a:latin typeface="Arial" panose="020B0604020202020204" pitchFamily="34" charset="0"/>
+              <a:cs typeface="Arial" panose="020B0604020202020204" pitchFamily="34" charset="0"/>
+            </a:endParaRPr>
+          </a:p>
+          <a:p>
+            <a:r>
+              <a:rPr lang="en-US" dirty="0">
+                <a:latin typeface="Arial" panose="020B0604020202020204" pitchFamily="34" charset="0"/>
+                <a:cs typeface="Arial" panose="020B0604020202020204" pitchFamily="34" charset="0"/>
+              </a:rPr>
+              <a:t>			  </a:t>
+            </a:r>
+            <a:r>
+              <a:rPr lang="en-US" dirty="0" err="1">
+                <a:latin typeface="Arial" panose="020B0604020202020204" pitchFamily="34" charset="0"/>
+                <a:cs typeface="Arial" panose="020B0604020202020204" pitchFamily="34" charset="0"/>
+              </a:rPr>
+              <a:t>sudo</a:t>
+            </a:r>
+            <a:r>
+              <a:rPr lang="en-US" dirty="0">
+                <a:latin typeface="Arial" panose="020B0604020202020204" pitchFamily="34" charset="0"/>
+                <a:cs typeface="Arial" panose="020B0604020202020204" pitchFamily="34" charset="0"/>
+              </a:rPr>
+              <a:t> apt install r-</a:t>
+            </a:r>
+            <a:r>
+              <a:rPr lang="en-US" dirty="0" err="1">
+                <a:latin typeface="Arial" panose="020B0604020202020204" pitchFamily="34" charset="0"/>
+                <a:cs typeface="Arial" panose="020B0604020202020204" pitchFamily="34" charset="0"/>
+              </a:rPr>
+              <a:t>cran</a:t>
+            </a:r>
+            <a:r>
+              <a:rPr lang="en-US" dirty="0">
+                <a:latin typeface="Arial" panose="020B0604020202020204" pitchFamily="34" charset="0"/>
+                <a:cs typeface="Arial" panose="020B0604020202020204" pitchFamily="34" charset="0"/>
+              </a:rPr>
+              <a:t>-littler</a:t>
+            </a:r>
+          </a:p>
+          <a:p>
+            <a:endParaRPr lang="en-US" dirty="0">
+              <a:latin typeface="Arial" panose="020B0604020202020204" pitchFamily="34" charset="0"/>
+              <a:cs typeface="Arial" panose="020B0604020202020204" pitchFamily="34" charset="0"/>
+            </a:endParaRPr>
+          </a:p>
+          <a:p>
+            <a:r>
+              <a:rPr lang="en-US" dirty="0">
+                <a:latin typeface="Arial" panose="020B0604020202020204" pitchFamily="34" charset="0"/>
+                <a:cs typeface="Arial" panose="020B0604020202020204" pitchFamily="34" charset="0"/>
+              </a:rPr>
+              <a:t>              (4) In the directory of your choice install </a:t>
+            </a:r>
+            <a:r>
+              <a:rPr lang="en-US" dirty="0" err="1">
+                <a:latin typeface="Arial" panose="020B0604020202020204" pitchFamily="34" charset="0"/>
+                <a:cs typeface="Arial" panose="020B0604020202020204" pitchFamily="34" charset="0"/>
+              </a:rPr>
+              <a:t>BiolockJ</a:t>
+            </a:r>
+            <a:r>
+              <a:rPr lang="en-US" dirty="0">
+                <a:latin typeface="Arial" panose="020B0604020202020204" pitchFamily="34" charset="0"/>
+                <a:cs typeface="Arial" panose="020B0604020202020204" pitchFamily="34" charset="0"/>
+              </a:rPr>
+              <a:t> with</a:t>
+            </a:r>
+          </a:p>
+          <a:p>
+            <a:r>
+              <a:rPr lang="en-US" dirty="0">
+                <a:latin typeface="Arial" panose="020B0604020202020204" pitchFamily="34" charset="0"/>
+                <a:cs typeface="Arial" panose="020B0604020202020204" pitchFamily="34" charset="0"/>
+              </a:rPr>
+              <a:t>		git clone </a:t>
+            </a:r>
+            <a:r>
+              <a:rPr lang="en-US" dirty="0">
+                <a:latin typeface="Arial" panose="020B0604020202020204" pitchFamily="34" charset="0"/>
+                <a:cs typeface="Arial" panose="020B0604020202020204" pitchFamily="34" charset="0"/>
+                <a:hlinkClick r:id="rId2"/>
+              </a:rPr>
+              <a:t>https://github.com/msioda/BioLockJ.git</a:t>
+            </a:r>
+            <a:endParaRPr lang="en-US" dirty="0">
+              <a:latin typeface="Arial" panose="020B0604020202020204" pitchFamily="34" charset="0"/>
+              <a:cs typeface="Arial" panose="020B0604020202020204" pitchFamily="34" charset="0"/>
+            </a:endParaRPr>
+          </a:p>
+          <a:p>
+            <a:endParaRPr lang="en-US" dirty="0">
+              <a:latin typeface="Arial" panose="020B0604020202020204" pitchFamily="34" charset="0"/>
+              <a:cs typeface="Arial" panose="020B0604020202020204" pitchFamily="34" charset="0"/>
+            </a:endParaRPr>
+          </a:p>
+          <a:p>
+            <a:r>
+              <a:rPr lang="en-US" dirty="0">
+                <a:latin typeface="Arial" panose="020B0604020202020204" pitchFamily="34" charset="0"/>
+                <a:cs typeface="Arial" panose="020B0604020202020204" pitchFamily="34" charset="0"/>
+              </a:rPr>
+              <a:t>		git clone </a:t>
+            </a:r>
+            <a:r>
+              <a:rPr lang="en-US" dirty="0">
+                <a:latin typeface="Arial" panose="020B0604020202020204" pitchFamily="34" charset="0"/>
+                <a:cs typeface="Arial" panose="020B0604020202020204" pitchFamily="34" charset="0"/>
+                <a:hlinkClick r:id="rId3"/>
+              </a:rPr>
+              <a:t>https://github.com/mikesioda/blj_support.git</a:t>
+            </a:r>
+            <a:r>
+              <a:rPr lang="en-US" dirty="0">
+                <a:latin typeface="Arial" panose="020B0604020202020204" pitchFamily="34" charset="0"/>
+                <a:cs typeface="Arial" panose="020B0604020202020204" pitchFamily="34" charset="0"/>
+              </a:rPr>
+              <a:t> (optionally)</a:t>
+            </a:r>
+          </a:p>
+          <a:p>
+            <a:endParaRPr lang="en-US" dirty="0">
+              <a:latin typeface="Arial" panose="020B0604020202020204" pitchFamily="34" charset="0"/>
+              <a:cs typeface="Arial" panose="020B0604020202020204" pitchFamily="34" charset="0"/>
+            </a:endParaRPr>
+          </a:p>
+          <a:p>
+            <a:r>
+              <a:rPr lang="en-US" dirty="0">
+                <a:latin typeface="Arial" panose="020B0604020202020204" pitchFamily="34" charset="0"/>
+                <a:cs typeface="Arial" panose="020B0604020202020204" pitchFamily="34" charset="0"/>
+              </a:rPr>
+              <a:t>	(5) The sequences from: </a:t>
+            </a:r>
+            <a:r>
+              <a:rPr lang="en-US" dirty="0">
+                <a:latin typeface="Arial" panose="020B0604020202020204" pitchFamily="34" charset="0"/>
+                <a:cs typeface="Arial" panose="020B0604020202020204" pitchFamily="34" charset="0"/>
+                <a:hlinkClick r:id="rId4"/>
+              </a:rPr>
+              <a:t>http://afodor.github.io/biolockJTutorials/tutorialSeqs.tar.gz</a:t>
+            </a:r>
+            <a:endParaRPr lang="en-US" dirty="0">
+              <a:latin typeface="Arial" panose="020B0604020202020204" pitchFamily="34" charset="0"/>
+              <a:cs typeface="Arial" panose="020B0604020202020204" pitchFamily="34" charset="0"/>
+            </a:endParaRPr>
+          </a:p>
+          <a:p>
+            <a:r>
+              <a:rPr lang="en-US" dirty="0">
+                <a:latin typeface="Arial" panose="020B0604020202020204" pitchFamily="34" charset="0"/>
+                <a:cs typeface="Arial" panose="020B0604020202020204" pitchFamily="34" charset="0"/>
+              </a:rPr>
+              <a:t>	       A properties file from: </a:t>
+            </a:r>
+            <a:r>
+              <a:rPr lang="en-US" dirty="0">
+                <a:latin typeface="Arial" panose="020B0604020202020204" pitchFamily="34" charset="0"/>
+                <a:cs typeface="Arial" panose="020B0604020202020204" pitchFamily="34" charset="0"/>
+                <a:hlinkClick r:id="rId5"/>
+              </a:rPr>
+              <a:t>http://afodor.github.io/biolockJTutorials/RDP1.properties</a:t>
+            </a:r>
+            <a:endParaRPr lang="en-US" dirty="0">
+              <a:latin typeface="Arial" panose="020B0604020202020204" pitchFamily="34" charset="0"/>
+              <a:cs typeface="Arial" panose="020B0604020202020204" pitchFamily="34" charset="0"/>
+            </a:endParaRPr>
+          </a:p>
+          <a:p>
+            <a:r>
+              <a:rPr lang="en-US" dirty="0">
+                <a:latin typeface="Arial" panose="020B0604020202020204" pitchFamily="34" charset="0"/>
+                <a:cs typeface="Arial" panose="020B0604020202020204" pitchFamily="34" charset="0"/>
+              </a:rPr>
+              <a:t>	       The metadata file from</a:t>
+            </a:r>
+          </a:p>
+          <a:p>
+            <a:r>
+              <a:rPr lang="en-US" dirty="0">
+                <a:latin typeface="Arial" panose="020B0604020202020204" pitchFamily="34" charset="0"/>
+                <a:cs typeface="Arial" panose="020B0604020202020204" pitchFamily="34" charset="0"/>
+              </a:rPr>
+              <a:t>			 https://github.com/msioda/adenomasRelease/blob/master/caseControlTwoColumn.txt</a:t>
+            </a:r>
+          </a:p>
+          <a:p>
+            <a:r>
+              <a:rPr lang="en-US" dirty="0">
+                <a:latin typeface="Arial" panose="020B0604020202020204" pitchFamily="34" charset="0"/>
+                <a:cs typeface="Arial" panose="020B0604020202020204" pitchFamily="34" charset="0"/>
+              </a:rPr>
+              <a:t>		</a:t>
+            </a:r>
+          </a:p>
+          <a:p>
+            <a:r>
+              <a:rPr lang="en-US" dirty="0">
+                <a:latin typeface="Arial" panose="020B0604020202020204" pitchFamily="34" charset="0"/>
+                <a:cs typeface="Arial" panose="020B0604020202020204" pitchFamily="34" charset="0"/>
+              </a:rPr>
+              <a:t>	</a:t>
+            </a:r>
+          </a:p>
+          <a:p>
+            <a:r>
+              <a:rPr lang="en-US" dirty="0">
+                <a:latin typeface="Arial" panose="020B0604020202020204" pitchFamily="34" charset="0"/>
+                <a:cs typeface="Arial" panose="020B0604020202020204" pitchFamily="34" charset="0"/>
+              </a:rPr>
+              <a:t>		</a:t>
+            </a:r>
+          </a:p>
+          <a:p>
+            <a:r>
+              <a:rPr lang="en-US" dirty="0">
+                <a:latin typeface="Arial" panose="020B0604020202020204" pitchFamily="34" charset="0"/>
+                <a:cs typeface="Arial" panose="020B0604020202020204" pitchFamily="34" charset="0"/>
+              </a:rPr>
+              <a:t>		</a:t>
+            </a:r>
+          </a:p>
+          <a:p>
+            <a:r>
+              <a:rPr lang="en-US" dirty="0">
+                <a:latin typeface="Arial" panose="020B0604020202020204" pitchFamily="34" charset="0"/>
+                <a:cs typeface="Arial" panose="020B0604020202020204" pitchFamily="34" charset="0"/>
+              </a:rPr>
+              <a:t>		</a:t>
+            </a:r>
+          </a:p>
+          <a:p>
+            <a:r>
+              <a:rPr lang="en-US" dirty="0">
+                <a:latin typeface="Arial" panose="020B0604020202020204" pitchFamily="34" charset="0"/>
+                <a:cs typeface="Arial" panose="020B0604020202020204" pitchFamily="34" charset="0"/>
+              </a:rPr>
+              <a:t>		 </a:t>
+            </a:r>
+          </a:p>
+          <a:p>
+            <a:r>
+              <a:rPr lang="en-US" dirty="0">
+                <a:latin typeface="Arial" panose="020B0604020202020204" pitchFamily="34" charset="0"/>
+                <a:cs typeface="Arial" panose="020B0604020202020204" pitchFamily="34" charset="0"/>
+              </a:rPr>
+              <a:t>		</a:t>
+            </a:r>
           </a:p>
         </p:txBody>
       </p:sp>

--- a/biolockJTutorials/draftTutorial_RDP_Native.pptx
+++ b/biolockJTutorials/draftTutorial_RDP_Native.pptx
@@ -10,6 +10,7 @@
     <p:sldId id="257" r:id="rId4"/>
     <p:sldId id="260" r:id="rId5"/>
     <p:sldId id="258" r:id="rId6"/>
+    <p:sldId id="261" r:id="rId7"/>
   </p:sldIdLst>
   <p:sldSz cx="12192000" cy="6858000"/>
   <p:notesSz cx="6858000" cy="9144000"/>
@@ -263,7 +264,7 @@
           <a:p>
             <a:fld id="{FF928810-BE94-4BFC-95AD-7A2A83EB8583}" type="datetimeFigureOut">
               <a:rPr lang="en-US" smtClean="0"/>
-              <a:t>12/31/2018</a:t>
+              <a:t>1/1/2019</a:t>
             </a:fld>
             <a:endParaRPr lang="en-US"/>
           </a:p>
@@ -461,7 +462,7 @@
           <a:p>
             <a:fld id="{FF928810-BE94-4BFC-95AD-7A2A83EB8583}" type="datetimeFigureOut">
               <a:rPr lang="en-US" smtClean="0"/>
-              <a:t>12/31/2018</a:t>
+              <a:t>1/1/2019</a:t>
             </a:fld>
             <a:endParaRPr lang="en-US"/>
           </a:p>
@@ -669,7 +670,7 @@
           <a:p>
             <a:fld id="{FF928810-BE94-4BFC-95AD-7A2A83EB8583}" type="datetimeFigureOut">
               <a:rPr lang="en-US" smtClean="0"/>
-              <a:t>12/31/2018</a:t>
+              <a:t>1/1/2019</a:t>
             </a:fld>
             <a:endParaRPr lang="en-US"/>
           </a:p>
@@ -867,7 +868,7 @@
           <a:p>
             <a:fld id="{FF928810-BE94-4BFC-95AD-7A2A83EB8583}" type="datetimeFigureOut">
               <a:rPr lang="en-US" smtClean="0"/>
-              <a:t>12/31/2018</a:t>
+              <a:t>1/1/2019</a:t>
             </a:fld>
             <a:endParaRPr lang="en-US"/>
           </a:p>
@@ -1142,7 +1143,7 @@
           <a:p>
             <a:fld id="{FF928810-BE94-4BFC-95AD-7A2A83EB8583}" type="datetimeFigureOut">
               <a:rPr lang="en-US" smtClean="0"/>
-              <a:t>12/31/2018</a:t>
+              <a:t>1/1/2019</a:t>
             </a:fld>
             <a:endParaRPr lang="en-US"/>
           </a:p>
@@ -1407,7 +1408,7 @@
           <a:p>
             <a:fld id="{FF928810-BE94-4BFC-95AD-7A2A83EB8583}" type="datetimeFigureOut">
               <a:rPr lang="en-US" smtClean="0"/>
-              <a:t>12/31/2018</a:t>
+              <a:t>1/1/2019</a:t>
             </a:fld>
             <a:endParaRPr lang="en-US"/>
           </a:p>
@@ -1819,7 +1820,7 @@
           <a:p>
             <a:fld id="{FF928810-BE94-4BFC-95AD-7A2A83EB8583}" type="datetimeFigureOut">
               <a:rPr lang="en-US" smtClean="0"/>
-              <a:t>12/31/2018</a:t>
+              <a:t>1/1/2019</a:t>
             </a:fld>
             <a:endParaRPr lang="en-US"/>
           </a:p>
@@ -1960,7 +1961,7 @@
           <a:p>
             <a:fld id="{FF928810-BE94-4BFC-95AD-7A2A83EB8583}" type="datetimeFigureOut">
               <a:rPr lang="en-US" smtClean="0"/>
-              <a:t>12/31/2018</a:t>
+              <a:t>1/1/2019</a:t>
             </a:fld>
             <a:endParaRPr lang="en-US"/>
           </a:p>
@@ -2073,7 +2074,7 @@
           <a:p>
             <a:fld id="{FF928810-BE94-4BFC-95AD-7A2A83EB8583}" type="datetimeFigureOut">
               <a:rPr lang="en-US" smtClean="0"/>
-              <a:t>12/31/2018</a:t>
+              <a:t>1/1/2019</a:t>
             </a:fld>
             <a:endParaRPr lang="en-US"/>
           </a:p>
@@ -2384,7 +2385,7 @@
           <a:p>
             <a:fld id="{FF928810-BE94-4BFC-95AD-7A2A83EB8583}" type="datetimeFigureOut">
               <a:rPr lang="en-US" smtClean="0"/>
-              <a:t>12/31/2018</a:t>
+              <a:t>1/1/2019</a:t>
             </a:fld>
             <a:endParaRPr lang="en-US"/>
           </a:p>
@@ -2672,7 +2673,7 @@
           <a:p>
             <a:fld id="{FF928810-BE94-4BFC-95AD-7A2A83EB8583}" type="datetimeFigureOut">
               <a:rPr lang="en-US" smtClean="0"/>
-              <a:t>12/31/2018</a:t>
+              <a:t>1/1/2019</a:t>
             </a:fld>
             <a:endParaRPr lang="en-US"/>
           </a:p>
@@ -2913,7 +2914,7 @@
           <a:p>
             <a:fld id="{FF928810-BE94-4BFC-95AD-7A2A83EB8583}" type="datetimeFigureOut">
               <a:rPr lang="en-US" smtClean="0"/>
-              <a:t>12/31/2018</a:t>
+              <a:t>1/1/2019</a:t>
             </a:fld>
             <a:endParaRPr lang="en-US"/>
           </a:p>
@@ -4479,6 +4480,203 @@
 </p:sld>
 </file>
 
+<file path=ppt/slides/slide6.xml><?xml version="1.0" encoding="utf-8"?>
+<p:sld xmlns:a="http://schemas.openxmlformats.org/drawingml/2006/main" xmlns:r="http://schemas.openxmlformats.org/officeDocument/2006/relationships" xmlns:p="http://schemas.openxmlformats.org/presentationml/2006/main">
+  <p:cSld>
+    <p:spTree>
+      <p:nvGrpSpPr>
+        <p:cNvPr id="1" name=""/>
+        <p:cNvGrpSpPr/>
+        <p:nvPr/>
+      </p:nvGrpSpPr>
+      <p:grpSpPr>
+        <a:xfrm>
+          <a:off x="0" y="0"/>
+          <a:ext cx="0" cy="0"/>
+          <a:chOff x="0" y="0"/>
+          <a:chExt cx="0" cy="0"/>
+        </a:xfrm>
+      </p:grpSpPr>
+      <p:sp>
+        <p:nvSpPr>
+          <p:cNvPr id="4" name="TextBox 3">
+            <a:extLst>
+              <a:ext uri="{FF2B5EF4-FFF2-40B4-BE49-F238E27FC236}">
+                <a16:creationId xmlns:a16="http://schemas.microsoft.com/office/drawing/2014/main" id="{B18E3DE0-0DA9-4A2C-91E4-54D196B04BD1}"/>
+              </a:ext>
+            </a:extLst>
+          </p:cNvPr>
+          <p:cNvSpPr txBox="1"/>
+          <p:nvPr/>
+        </p:nvSpPr>
+        <p:spPr>
+          <a:xfrm>
+            <a:off x="771896" y="593766"/>
+            <a:ext cx="7276416" cy="2031325"/>
+          </a:xfrm>
+          <a:prstGeom prst="rect">
+            <a:avLst/>
+          </a:prstGeom>
+          <a:noFill/>
+        </p:spPr>
+        <p:txBody>
+          <a:bodyPr wrap="none" rtlCol="0">
+            <a:spAutoFit/>
+          </a:bodyPr>
+          <a:lstStyle/>
+          <a:p>
+            <a:r>
+              <a:rPr lang="en-US" dirty="0">
+                <a:latin typeface="Arial" panose="020B0604020202020204" pitchFamily="34" charset="0"/>
+                <a:cs typeface="Arial" panose="020B0604020202020204" pitchFamily="34" charset="0"/>
+              </a:rPr>
+              <a:t>Future videos</a:t>
+            </a:r>
+          </a:p>
+          <a:p>
+            <a:endParaRPr lang="en-US" dirty="0">
+              <a:latin typeface="Arial" panose="020B0604020202020204" pitchFamily="34" charset="0"/>
+              <a:cs typeface="Arial" panose="020B0604020202020204" pitchFamily="34" charset="0"/>
+            </a:endParaRPr>
+          </a:p>
+          <a:p>
+            <a:r>
+              <a:rPr lang="en-US" dirty="0">
+                <a:latin typeface="Arial" panose="020B0604020202020204" pitchFamily="34" charset="0"/>
+                <a:cs typeface="Arial" panose="020B0604020202020204" pitchFamily="34" charset="0"/>
+              </a:rPr>
+              <a:t>	Running </a:t>
+            </a:r>
+            <a:r>
+              <a:rPr lang="en-US" dirty="0" err="1">
+                <a:latin typeface="Arial" panose="020B0604020202020204" pitchFamily="34" charset="0"/>
+                <a:cs typeface="Arial" panose="020B0604020202020204" pitchFamily="34" charset="0"/>
+              </a:rPr>
+              <a:t>BiolockJ</a:t>
+            </a:r>
+            <a:r>
+              <a:rPr lang="en-US" dirty="0">
+                <a:latin typeface="Arial" panose="020B0604020202020204" pitchFamily="34" charset="0"/>
+                <a:cs typeface="Arial" panose="020B0604020202020204" pitchFamily="34" charset="0"/>
+              </a:rPr>
+              <a:t> in Docker containers on the Amazon cloud</a:t>
+            </a:r>
+          </a:p>
+          <a:p>
+            <a:r>
+              <a:rPr lang="en-US" dirty="0">
+                <a:latin typeface="Arial" panose="020B0604020202020204" pitchFamily="34" charset="0"/>
+                <a:cs typeface="Arial" panose="020B0604020202020204" pitchFamily="34" charset="0"/>
+              </a:rPr>
+              <a:t>	Running </a:t>
+            </a:r>
+            <a:r>
+              <a:rPr lang="en-US" dirty="0" err="1">
+                <a:latin typeface="Arial" panose="020B0604020202020204" pitchFamily="34" charset="0"/>
+                <a:cs typeface="Arial" panose="020B0604020202020204" pitchFamily="34" charset="0"/>
+              </a:rPr>
+              <a:t>BiolockJ</a:t>
+            </a:r>
+            <a:r>
+              <a:rPr lang="en-US" dirty="0">
+                <a:latin typeface="Arial" panose="020B0604020202020204" pitchFamily="34" charset="0"/>
+                <a:cs typeface="Arial" panose="020B0604020202020204" pitchFamily="34" charset="0"/>
+              </a:rPr>
+              <a:t> in a cluster environment</a:t>
+            </a:r>
+          </a:p>
+          <a:p>
+            <a:r>
+              <a:rPr lang="en-US" dirty="0">
+                <a:latin typeface="Arial" panose="020B0604020202020204" pitchFamily="34" charset="0"/>
+                <a:cs typeface="Arial" panose="020B0604020202020204" pitchFamily="34" charset="0"/>
+              </a:rPr>
+              <a:t>	Using the front-end GUI for </a:t>
+            </a:r>
+            <a:r>
+              <a:rPr lang="en-US" dirty="0" err="1">
+                <a:latin typeface="Arial" panose="020B0604020202020204" pitchFamily="34" charset="0"/>
+                <a:cs typeface="Arial" panose="020B0604020202020204" pitchFamily="34" charset="0"/>
+              </a:rPr>
+              <a:t>BiolockJ</a:t>
+            </a:r>
+            <a:endParaRPr lang="en-US" dirty="0">
+              <a:latin typeface="Arial" panose="020B0604020202020204" pitchFamily="34" charset="0"/>
+              <a:cs typeface="Arial" panose="020B0604020202020204" pitchFamily="34" charset="0"/>
+            </a:endParaRPr>
+          </a:p>
+          <a:p>
+            <a:endParaRPr lang="en-US" dirty="0">
+              <a:latin typeface="Arial" panose="020B0604020202020204" pitchFamily="34" charset="0"/>
+              <a:cs typeface="Arial" panose="020B0604020202020204" pitchFamily="34" charset="0"/>
+            </a:endParaRPr>
+          </a:p>
+          <a:p>
+            <a:r>
+              <a:rPr lang="en-US" dirty="0">
+                <a:latin typeface="Arial" panose="020B0604020202020204" pitchFamily="34" charset="0"/>
+                <a:cs typeface="Arial" panose="020B0604020202020204" pitchFamily="34" charset="0"/>
+              </a:rPr>
+              <a:t>	Using </a:t>
+            </a:r>
+            <a:r>
+              <a:rPr lang="en-US" dirty="0" err="1">
+                <a:latin typeface="Arial" panose="020B0604020202020204" pitchFamily="34" charset="0"/>
+                <a:cs typeface="Arial" panose="020B0604020202020204" pitchFamily="34" charset="0"/>
+              </a:rPr>
+              <a:t>BiolockJ</a:t>
+            </a:r>
+            <a:r>
+              <a:rPr lang="en-US" dirty="0">
+                <a:latin typeface="Arial" panose="020B0604020202020204" pitchFamily="34" charset="0"/>
+                <a:cs typeface="Arial" panose="020B0604020202020204" pitchFamily="34" charset="0"/>
+              </a:rPr>
+              <a:t> on </a:t>
+            </a:r>
+            <a:r>
+              <a:rPr lang="en-US" dirty="0" err="1">
+                <a:latin typeface="Arial" panose="020B0604020202020204" pitchFamily="34" charset="0"/>
+                <a:cs typeface="Arial" panose="020B0604020202020204" pitchFamily="34" charset="0"/>
+              </a:rPr>
+              <a:t>paried</a:t>
+            </a:r>
+            <a:r>
+              <a:rPr lang="en-US" dirty="0">
+                <a:latin typeface="Arial" panose="020B0604020202020204" pitchFamily="34" charset="0"/>
+                <a:cs typeface="Arial" panose="020B0604020202020204" pitchFamily="34" charset="0"/>
+              </a:rPr>
+              <a:t>-end </a:t>
+            </a:r>
+            <a:r>
+              <a:rPr lang="en-US" dirty="0" err="1">
+                <a:latin typeface="Arial" panose="020B0604020202020204" pitchFamily="34" charset="0"/>
+                <a:cs typeface="Arial" panose="020B0604020202020204" pitchFamily="34" charset="0"/>
+              </a:rPr>
+              <a:t>Fastq</a:t>
+            </a:r>
+            <a:r>
+              <a:rPr lang="en-US" dirty="0">
+                <a:latin typeface="Arial" panose="020B0604020202020204" pitchFamily="34" charset="0"/>
+                <a:cs typeface="Arial" panose="020B0604020202020204" pitchFamily="34" charset="0"/>
+              </a:rPr>
+              <a:t> files</a:t>
+            </a:r>
+          </a:p>
+        </p:txBody>
+      </p:sp>
+    </p:spTree>
+    <p:extLst>
+      <p:ext uri="{BB962C8B-B14F-4D97-AF65-F5344CB8AC3E}">
+        <p14:creationId xmlns:p14="http://schemas.microsoft.com/office/powerpoint/2010/main" val="1484962139"/>
+      </p:ext>
+    </p:extLst>
+  </p:cSld>
+  <p:clrMapOvr>
+    <a:masterClrMapping/>
+  </p:clrMapOvr>
+</p:sld>
+</file>
+
 <file path=ppt/theme/theme1.xml><?xml version="1.0" encoding="utf-8"?>
 <a:theme xmlns:a="http://schemas.openxmlformats.org/drawingml/2006/main" name="Office Theme">
   <a:themeElements>
